--- a/08. Presentaciones/Presentación 8 - 24.11.17.pptx
+++ b/08. Presentaciones/Presentación 8 - 24.11.17.pptx
@@ -129,7 +129,7 @@
   </p:defaultTextStyle>
   <p:extLst>
     <p:ext uri="{EFAFB233-063F-42B5-8137-9DF3F51BA10A}">
-      <p15:sldGuideLst xmlns:p15="http://schemas.microsoft.com/office/powerpoint/2012/main" xmlns="">
+      <p15:sldGuideLst xmlns:p15="http://schemas.microsoft.com/office/powerpoint/2012/main">
         <p15:guide id="1" orient="horz" pos="2160">
           <p15:clr>
             <a:srgbClr val="A4A3A4"/>
@@ -308,7 +308,7 @@
     </p:spTree>
     <p:extLst>
       <p:ext uri="{BB962C8B-B14F-4D97-AF65-F5344CB8AC3E}">
-        <p14:creationId xmlns:p14="http://schemas.microsoft.com/office/powerpoint/2010/main" xmlns="" val="2830949299"/>
+        <p14:creationId xmlns:p14="http://schemas.microsoft.com/office/powerpoint/2010/main" val="2830949299"/>
       </p:ext>
     </p:extLst>
   </p:cSld>
@@ -572,7 +572,7 @@
     </p:spTree>
     <p:extLst>
       <p:ext uri="{BB962C8B-B14F-4D97-AF65-F5344CB8AC3E}">
-        <p14:creationId xmlns:p14="http://schemas.microsoft.com/office/powerpoint/2010/main" xmlns="" val="3361875708"/>
+        <p14:creationId xmlns:p14="http://schemas.microsoft.com/office/powerpoint/2010/main" val="3361875708"/>
       </p:ext>
     </p:extLst>
   </p:cSld>
@@ -771,7 +771,7 @@
     </p:spTree>
     <p:extLst>
       <p:ext uri="{BB962C8B-B14F-4D97-AF65-F5344CB8AC3E}">
-        <p14:creationId xmlns:p14="http://schemas.microsoft.com/office/powerpoint/2010/main" xmlns="" val="3143320932"/>
+        <p14:creationId xmlns:p14="http://schemas.microsoft.com/office/powerpoint/2010/main" val="3143320932"/>
       </p:ext>
     </p:extLst>
   </p:cSld>
@@ -879,7 +879,7 @@
     </p:spTree>
     <p:extLst>
       <p:ext uri="{BB962C8B-B14F-4D97-AF65-F5344CB8AC3E}">
-        <p14:creationId xmlns:p14="http://schemas.microsoft.com/office/powerpoint/2010/main" xmlns="" val="3010317648"/>
+        <p14:creationId xmlns:p14="http://schemas.microsoft.com/office/powerpoint/2010/main" val="3010317648"/>
       </p:ext>
     </p:extLst>
   </p:cSld>
@@ -987,7 +987,7 @@
     </p:spTree>
     <p:extLst>
       <p:ext uri="{BB962C8B-B14F-4D97-AF65-F5344CB8AC3E}">
-        <p14:creationId xmlns:p14="http://schemas.microsoft.com/office/powerpoint/2010/main" xmlns="" val="4053849653"/>
+        <p14:creationId xmlns:p14="http://schemas.microsoft.com/office/powerpoint/2010/main" val="4053849653"/>
       </p:ext>
     </p:extLst>
   </p:cSld>
@@ -1095,7 +1095,7 @@
     </p:spTree>
     <p:extLst>
       <p:ext uri="{BB962C8B-B14F-4D97-AF65-F5344CB8AC3E}">
-        <p14:creationId xmlns:p14="http://schemas.microsoft.com/office/powerpoint/2010/main" xmlns="" val="3858971225"/>
+        <p14:creationId xmlns:p14="http://schemas.microsoft.com/office/powerpoint/2010/main" val="3858971225"/>
       </p:ext>
     </p:extLst>
   </p:cSld>
@@ -1203,7 +1203,7 @@
     </p:spTree>
     <p:extLst>
       <p:ext uri="{BB962C8B-B14F-4D97-AF65-F5344CB8AC3E}">
-        <p14:creationId xmlns:p14="http://schemas.microsoft.com/office/powerpoint/2010/main" xmlns="" val="3885825519"/>
+        <p14:creationId xmlns:p14="http://schemas.microsoft.com/office/powerpoint/2010/main" val="3885825519"/>
       </p:ext>
     </p:extLst>
   </p:cSld>
@@ -1311,7 +1311,7 @@
     </p:spTree>
     <p:extLst>
       <p:ext uri="{BB962C8B-B14F-4D97-AF65-F5344CB8AC3E}">
-        <p14:creationId xmlns:p14="http://schemas.microsoft.com/office/powerpoint/2010/main" xmlns="" val="590088189"/>
+        <p14:creationId xmlns:p14="http://schemas.microsoft.com/office/powerpoint/2010/main" val="590088189"/>
       </p:ext>
     </p:extLst>
   </p:cSld>
@@ -1573,7 +1573,7 @@
     </p:spTree>
     <p:extLst>
       <p:ext uri="{BB962C8B-B14F-4D97-AF65-F5344CB8AC3E}">
-        <p14:creationId xmlns:p14="http://schemas.microsoft.com/office/powerpoint/2010/main" xmlns="" val="1072273061"/>
+        <p14:creationId xmlns:p14="http://schemas.microsoft.com/office/powerpoint/2010/main" val="1072273061"/>
       </p:ext>
     </p:extLst>
   </p:cSld>
@@ -1859,7 +1859,7 @@
     </p:spTree>
     <p:extLst>
       <p:ext uri="{BB962C8B-B14F-4D97-AF65-F5344CB8AC3E}">
-        <p14:creationId xmlns:p14="http://schemas.microsoft.com/office/powerpoint/2010/main" xmlns="" val="3444745824"/>
+        <p14:creationId xmlns:p14="http://schemas.microsoft.com/office/powerpoint/2010/main" val="3444745824"/>
       </p:ext>
     </p:extLst>
   </p:cSld>
@@ -2056,7 +2056,7 @@
     </p:spTree>
     <p:extLst>
       <p:ext uri="{BB962C8B-B14F-4D97-AF65-F5344CB8AC3E}">
-        <p14:creationId xmlns:p14="http://schemas.microsoft.com/office/powerpoint/2010/main" xmlns="" val="2217620014"/>
+        <p14:creationId xmlns:p14="http://schemas.microsoft.com/office/powerpoint/2010/main" val="2217620014"/>
       </p:ext>
     </p:extLst>
   </p:cSld>
@@ -2554,7 +2554,7 @@
     </p:spTree>
     <p:extLst>
       <p:ext uri="{BB962C8B-B14F-4D97-AF65-F5344CB8AC3E}">
-        <p14:creationId xmlns:p14="http://schemas.microsoft.com/office/powerpoint/2010/main" xmlns="" val="2136429344"/>
+        <p14:creationId xmlns:p14="http://schemas.microsoft.com/office/powerpoint/2010/main" val="2136429344"/>
       </p:ext>
     </p:extLst>
   </p:cSld>
@@ -2753,7 +2753,7 @@
     </p:spTree>
     <p:extLst>
       <p:ext uri="{BB962C8B-B14F-4D97-AF65-F5344CB8AC3E}">
-        <p14:creationId xmlns:p14="http://schemas.microsoft.com/office/powerpoint/2010/main" xmlns="" val="1401297368"/>
+        <p14:creationId xmlns:p14="http://schemas.microsoft.com/office/powerpoint/2010/main" val="1401297368"/>
       </p:ext>
     </p:extLst>
   </p:cSld>
@@ -3304,7 +3304,7 @@
     </p:spTree>
     <p:extLst>
       <p:ext uri="{BB962C8B-B14F-4D97-AF65-F5344CB8AC3E}">
-        <p14:creationId xmlns:p14="http://schemas.microsoft.com/office/powerpoint/2010/main" xmlns="" val="3581304418"/>
+        <p14:creationId xmlns:p14="http://schemas.microsoft.com/office/powerpoint/2010/main" val="3581304418"/>
       </p:ext>
     </p:extLst>
   </p:cSld>
@@ -4140,7 +4140,7 @@
     </p:spTree>
     <p:extLst>
       <p:ext uri="{BB962C8B-B14F-4D97-AF65-F5344CB8AC3E}">
-        <p14:creationId xmlns:p14="http://schemas.microsoft.com/office/powerpoint/2010/main" xmlns="" val="2434754427"/>
+        <p14:creationId xmlns:p14="http://schemas.microsoft.com/office/powerpoint/2010/main" val="2434754427"/>
       </p:ext>
     </p:extLst>
   </p:cSld>
@@ -4315,7 +4315,7 @@
     </p:spTree>
     <p:extLst>
       <p:ext uri="{BB962C8B-B14F-4D97-AF65-F5344CB8AC3E}">
-        <p14:creationId xmlns:p14="http://schemas.microsoft.com/office/powerpoint/2010/main" xmlns="" val="796553577"/>
+        <p14:creationId xmlns:p14="http://schemas.microsoft.com/office/powerpoint/2010/main" val="796553577"/>
       </p:ext>
     </p:extLst>
   </p:cSld>
@@ -4500,7 +4500,7 @@
     </p:spTree>
     <p:extLst>
       <p:ext uri="{BB962C8B-B14F-4D97-AF65-F5344CB8AC3E}">
-        <p14:creationId xmlns:p14="http://schemas.microsoft.com/office/powerpoint/2010/main" xmlns="" val="2178378210"/>
+        <p14:creationId xmlns:p14="http://schemas.microsoft.com/office/powerpoint/2010/main" val="2178378210"/>
       </p:ext>
     </p:extLst>
   </p:cSld>
@@ -4863,7 +4863,7 @@
           <a:blip r:embed="rId2">
             <a:extLst>
               <a:ext uri="{28A0092B-C50C-407E-A947-70E740481C1C}">
-                <a14:useLocalDpi xmlns:a14="http://schemas.microsoft.com/office/drawing/2010/main" xmlns="" val="0"/>
+                <a14:useLocalDpi xmlns:a14="http://schemas.microsoft.com/office/drawing/2010/main" val="0"/>
               </a:ext>
             </a:extLst>
           </a:blip>
@@ -4893,7 +4893,7 @@
           <a:blip r:embed="rId3" cstate="print">
             <a:extLst>
               <a:ext uri="{28A0092B-C50C-407E-A947-70E740481C1C}">
-                <a14:useLocalDpi xmlns:a14="http://schemas.microsoft.com/office/drawing/2010/main" xmlns="" val="0"/>
+                <a14:useLocalDpi xmlns:a14="http://schemas.microsoft.com/office/drawing/2010/main" val="0"/>
               </a:ext>
             </a:extLst>
           </a:blip>
@@ -4923,7 +4923,7 @@
           <a:blip r:embed="rId4" cstate="print">
             <a:extLst>
               <a:ext uri="{28A0092B-C50C-407E-A947-70E740481C1C}">
-                <a14:useLocalDpi xmlns:a14="http://schemas.microsoft.com/office/drawing/2010/main" xmlns="" val="0"/>
+                <a14:useLocalDpi xmlns:a14="http://schemas.microsoft.com/office/drawing/2010/main" val="0"/>
               </a:ext>
             </a:extLst>
           </a:blip>
@@ -4944,7 +4944,7 @@
     </p:spTree>
     <p:extLst>
       <p:ext uri="{BB962C8B-B14F-4D97-AF65-F5344CB8AC3E}">
-        <p14:creationId xmlns:p14="http://schemas.microsoft.com/office/powerpoint/2010/main" xmlns="" val="1987851363"/>
+        <p14:creationId xmlns:p14="http://schemas.microsoft.com/office/powerpoint/2010/main" val="1987851363"/>
       </p:ext>
     </p:extLst>
   </p:cSld>
@@ -5206,7 +5206,7 @@
     </p:spTree>
     <p:extLst>
       <p:ext uri="{BB962C8B-B14F-4D97-AF65-F5344CB8AC3E}">
-        <p14:creationId xmlns:p14="http://schemas.microsoft.com/office/powerpoint/2010/main" xmlns="" val="2343256160"/>
+        <p14:creationId xmlns:p14="http://schemas.microsoft.com/office/powerpoint/2010/main" val="2343256160"/>
       </p:ext>
     </p:extLst>
   </p:cSld>
@@ -5443,7 +5443,7 @@
     </p:spTree>
     <p:extLst>
       <p:ext uri="{BB962C8B-B14F-4D97-AF65-F5344CB8AC3E}">
-        <p14:creationId xmlns:p14="http://schemas.microsoft.com/office/powerpoint/2010/main" xmlns="" val="492701131"/>
+        <p14:creationId xmlns:p14="http://schemas.microsoft.com/office/powerpoint/2010/main" val="492701131"/>
       </p:ext>
     </p:extLst>
   </p:cSld>
@@ -5841,7 +5841,7 @@
     </p:spTree>
     <p:extLst>
       <p:ext uri="{BB962C8B-B14F-4D97-AF65-F5344CB8AC3E}">
-        <p14:creationId xmlns:p14="http://schemas.microsoft.com/office/powerpoint/2010/main" xmlns="" val="1192843996"/>
+        <p14:creationId xmlns:p14="http://schemas.microsoft.com/office/powerpoint/2010/main" val="1192843996"/>
       </p:ext>
     </p:extLst>
   </p:cSld>
@@ -5964,7 +5964,7 @@
     </p:spTree>
     <p:extLst>
       <p:ext uri="{BB962C8B-B14F-4D97-AF65-F5344CB8AC3E}">
-        <p14:creationId xmlns:p14="http://schemas.microsoft.com/office/powerpoint/2010/main" xmlns="" val="1497457452"/>
+        <p14:creationId xmlns:p14="http://schemas.microsoft.com/office/powerpoint/2010/main" val="1497457452"/>
       </p:ext>
     </p:extLst>
   </p:cSld>
@@ -6064,7 +6064,7 @@
     </p:spTree>
     <p:extLst>
       <p:ext uri="{BB962C8B-B14F-4D97-AF65-F5344CB8AC3E}">
-        <p14:creationId xmlns:p14="http://schemas.microsoft.com/office/powerpoint/2010/main" xmlns="" val="3150583799"/>
+        <p14:creationId xmlns:p14="http://schemas.microsoft.com/office/powerpoint/2010/main" val="3150583799"/>
       </p:ext>
     </p:extLst>
   </p:cSld>
@@ -6342,7 +6342,7 @@
     </p:spTree>
     <p:extLst>
       <p:ext uri="{BB962C8B-B14F-4D97-AF65-F5344CB8AC3E}">
-        <p14:creationId xmlns:p14="http://schemas.microsoft.com/office/powerpoint/2010/main" xmlns="" val="3101053053"/>
+        <p14:creationId xmlns:p14="http://schemas.microsoft.com/office/powerpoint/2010/main" val="3101053053"/>
       </p:ext>
     </p:extLst>
   </p:cSld>
@@ -6628,7 +6628,7 @@
     </p:spTree>
     <p:extLst>
       <p:ext uri="{BB962C8B-B14F-4D97-AF65-F5344CB8AC3E}">
-        <p14:creationId xmlns:p14="http://schemas.microsoft.com/office/powerpoint/2010/main" xmlns="" val="3053301401"/>
+        <p14:creationId xmlns:p14="http://schemas.microsoft.com/office/powerpoint/2010/main" val="3053301401"/>
       </p:ext>
     </p:extLst>
   </p:cSld>
@@ -6941,7 +6941,7 @@
     </p:spTree>
     <p:extLst>
       <p:ext uri="{BB962C8B-B14F-4D97-AF65-F5344CB8AC3E}">
-        <p14:creationId xmlns:p14="http://schemas.microsoft.com/office/powerpoint/2010/main" xmlns="" val="1640675034"/>
+        <p14:creationId xmlns:p14="http://schemas.microsoft.com/office/powerpoint/2010/main" val="1640675034"/>
       </p:ext>
     </p:extLst>
   </p:cSld>
@@ -7524,7 +7524,7 @@
           <a:blip r:embed="rId2" cstate="print">
             <a:extLst>
               <a:ext uri="{28A0092B-C50C-407E-A947-70E740481C1C}">
-                <a14:useLocalDpi xmlns:a14="http://schemas.microsoft.com/office/drawing/2010/main" xmlns="" val="0"/>
+                <a14:useLocalDpi xmlns:a14="http://schemas.microsoft.com/office/drawing/2010/main" val="0"/>
               </a:ext>
             </a:extLst>
           </a:blip>
@@ -7554,7 +7554,7 @@
           <a:blip r:embed="rId3" cstate="print">
             <a:extLst>
               <a:ext uri="{28A0092B-C50C-407E-A947-70E740481C1C}">
-                <a14:useLocalDpi xmlns:a14="http://schemas.microsoft.com/office/drawing/2010/main" xmlns="" val="0"/>
+                <a14:useLocalDpi xmlns:a14="http://schemas.microsoft.com/office/drawing/2010/main" val="0"/>
               </a:ext>
             </a:extLst>
           </a:blip>
@@ -7584,7 +7584,7 @@
           <a:blip r:embed="rId4" cstate="print">
             <a:extLst>
               <a:ext uri="{28A0092B-C50C-407E-A947-70E740481C1C}">
-                <a14:useLocalDpi xmlns:a14="http://schemas.microsoft.com/office/drawing/2010/main" xmlns="" val="0"/>
+                <a14:useLocalDpi xmlns:a14="http://schemas.microsoft.com/office/drawing/2010/main" val="0"/>
               </a:ext>
             </a:extLst>
           </a:blip>
@@ -7605,20 +7605,20 @@
     </p:spTree>
     <p:extLst>
       <p:ext uri="{BB962C8B-B14F-4D97-AF65-F5344CB8AC3E}">
-        <p14:creationId xmlns:p14="http://schemas.microsoft.com/office/powerpoint/2010/main" xmlns="" val="2194547385"/>
+        <p14:creationId xmlns:p14="http://schemas.microsoft.com/office/powerpoint/2010/main" val="2194547385"/>
       </p:ext>
     </p:extLst>
   </p:cSld>
   <p:clrMapOvr>
     <a:masterClrMapping/>
   </p:clrMapOvr>
-  <mc:AlternateContent xmlns:mc="http://schemas.openxmlformats.org/markup-compatibility/2006">
-    <mc:Choice xmlns:p14="http://schemas.microsoft.com/office/powerpoint/2010/main" xmlns="" Requires="p14">
+  <mc:AlternateContent xmlns:mc="http://schemas.openxmlformats.org/markup-compatibility/2006" xmlns:p14="http://schemas.microsoft.com/office/powerpoint/2010/main">
+    <mc:Choice Requires="p14">
       <p:transition spd="med" p14:dur="700">
         <p:fade/>
       </p:transition>
     </mc:Choice>
-    <mc:Fallback>
+    <mc:Fallback xmlns="">
       <p:transition spd="med">
         <p:fade/>
       </p:transition>
@@ -7761,7 +7761,7 @@
           <p:nvPr>
             <p:extLst>
               <p:ext uri="{D42A27DB-BD31-4B8C-83A1-F6EECF244321}">
-                <p14:modId xmlns:p14="http://schemas.microsoft.com/office/powerpoint/2010/main" xmlns="" val="1996805609"/>
+                <p14:modId xmlns:p14="http://schemas.microsoft.com/office/powerpoint/2010/main" val="1996805609"/>
               </p:ext>
             </p:extLst>
           </p:nvPr>
@@ -8349,7 +8349,7 @@
           <p:nvPr>
             <p:extLst>
               <p:ext uri="{D42A27DB-BD31-4B8C-83A1-F6EECF244321}">
-                <p14:modId xmlns:p14="http://schemas.microsoft.com/office/powerpoint/2010/main" xmlns="" val="934782674"/>
+                <p14:modId xmlns:p14="http://schemas.microsoft.com/office/powerpoint/2010/main" val="934782674"/>
               </p:ext>
             </p:extLst>
           </p:nvPr>
@@ -8471,20 +8471,20 @@
     </p:spTree>
     <p:extLst>
       <p:ext uri="{BB962C8B-B14F-4D97-AF65-F5344CB8AC3E}">
-        <p14:creationId xmlns:p14="http://schemas.microsoft.com/office/powerpoint/2010/main" xmlns="" val="222407665"/>
+        <p14:creationId xmlns:p14="http://schemas.microsoft.com/office/powerpoint/2010/main" val="222407665"/>
       </p:ext>
     </p:extLst>
   </p:cSld>
   <p:clrMapOvr>
     <a:masterClrMapping/>
   </p:clrMapOvr>
-  <mc:AlternateContent xmlns:mc="http://schemas.openxmlformats.org/markup-compatibility/2006">
-    <mc:Choice xmlns:p14="http://schemas.microsoft.com/office/powerpoint/2010/main" xmlns="" Requires="p14">
+  <mc:AlternateContent xmlns:mc="http://schemas.openxmlformats.org/markup-compatibility/2006" xmlns:p14="http://schemas.microsoft.com/office/powerpoint/2010/main">
+    <mc:Choice Requires="p14">
       <p:transition spd="slow">
         <p14:reveal/>
       </p:transition>
     </mc:Choice>
-    <mc:Fallback>
+    <mc:Fallback xmlns="">
       <p:transition spd="slow">
         <p:fade/>
       </p:transition>
@@ -8613,20 +8613,20 @@
     </p:spTree>
     <p:extLst>
       <p:ext uri="{BB962C8B-B14F-4D97-AF65-F5344CB8AC3E}">
-        <p14:creationId xmlns:p14="http://schemas.microsoft.com/office/powerpoint/2010/main" xmlns="" val="2345593874"/>
+        <p14:creationId xmlns:p14="http://schemas.microsoft.com/office/powerpoint/2010/main" val="2345593874"/>
       </p:ext>
     </p:extLst>
   </p:cSld>
   <p:clrMapOvr>
     <a:masterClrMapping/>
   </p:clrMapOvr>
-  <mc:AlternateContent xmlns:mc="http://schemas.openxmlformats.org/markup-compatibility/2006">
-    <mc:Choice xmlns:p14="http://schemas.microsoft.com/office/powerpoint/2010/main" xmlns="" Requires="p14">
+  <mc:AlternateContent xmlns:mc="http://schemas.openxmlformats.org/markup-compatibility/2006" xmlns:p14="http://schemas.microsoft.com/office/powerpoint/2010/main">
+    <mc:Choice Requires="p14">
       <p:transition spd="slow">
         <p14:reveal/>
       </p:transition>
     </mc:Choice>
-    <mc:Fallback>
+    <mc:Fallback xmlns="">
       <p:transition spd="slow">
         <p:fade/>
       </p:transition>
@@ -8889,20 +8889,20 @@
     </p:spTree>
     <p:extLst>
       <p:ext uri="{BB962C8B-B14F-4D97-AF65-F5344CB8AC3E}">
-        <p14:creationId xmlns:p14="http://schemas.microsoft.com/office/powerpoint/2010/main" xmlns="" val="2867404038"/>
+        <p14:creationId xmlns:p14="http://schemas.microsoft.com/office/powerpoint/2010/main" val="2867404038"/>
       </p:ext>
     </p:extLst>
   </p:cSld>
   <p:clrMapOvr>
     <a:masterClrMapping/>
   </p:clrMapOvr>
-  <mc:AlternateContent xmlns:mc="http://schemas.openxmlformats.org/markup-compatibility/2006">
-    <mc:Choice xmlns:p14="http://schemas.microsoft.com/office/powerpoint/2010/main" xmlns="" Requires="p14">
+  <mc:AlternateContent xmlns:mc="http://schemas.openxmlformats.org/markup-compatibility/2006" xmlns:p14="http://schemas.microsoft.com/office/powerpoint/2010/main">
+    <mc:Choice Requires="p14">
       <p:transition spd="slow">
         <p14:reveal/>
       </p:transition>
     </mc:Choice>
-    <mc:Fallback>
+    <mc:Fallback xmlns="">
       <p:transition spd="slow">
         <p:fade/>
       </p:transition>
@@ -9128,20 +9128,20 @@
     </p:spTree>
     <p:extLst>
       <p:ext uri="{BB962C8B-B14F-4D97-AF65-F5344CB8AC3E}">
-        <p14:creationId xmlns:p14="http://schemas.microsoft.com/office/powerpoint/2010/main" xmlns="" val="2644955403"/>
+        <p14:creationId xmlns:p14="http://schemas.microsoft.com/office/powerpoint/2010/main" val="2644955403"/>
       </p:ext>
     </p:extLst>
   </p:cSld>
   <p:clrMapOvr>
     <a:masterClrMapping/>
   </p:clrMapOvr>
-  <mc:AlternateContent xmlns:mc="http://schemas.openxmlformats.org/markup-compatibility/2006">
-    <mc:Choice xmlns:p14="http://schemas.microsoft.com/office/powerpoint/2010/main" xmlns="" Requires="p14">
+  <mc:AlternateContent xmlns:mc="http://schemas.openxmlformats.org/markup-compatibility/2006" xmlns:p14="http://schemas.microsoft.com/office/powerpoint/2010/main">
+    <mc:Choice Requires="p14">
       <p:transition spd="slow">
         <p14:reveal/>
       </p:transition>
     </mc:Choice>
-    <mc:Fallback>
+    <mc:Fallback xmlns="">
       <p:transition spd="slow">
         <p:fade/>
       </p:transition>
@@ -9380,7 +9380,7 @@
           <a:blip r:embed="rId2">
             <a:extLst>
               <a:ext uri="{28A0092B-C50C-407E-A947-70E740481C1C}">
-                <a14:useLocalDpi xmlns:a14="http://schemas.microsoft.com/office/drawing/2010/main" xmlns="" val="0"/>
+                <a14:useLocalDpi xmlns:a14="http://schemas.microsoft.com/office/drawing/2010/main" val="0"/>
               </a:ext>
             </a:extLst>
           </a:blip>
@@ -9400,20 +9400,20 @@
     </p:spTree>
     <p:extLst>
       <p:ext uri="{BB962C8B-B14F-4D97-AF65-F5344CB8AC3E}">
-        <p14:creationId xmlns:p14="http://schemas.microsoft.com/office/powerpoint/2010/main" xmlns="" val="3650040932"/>
+        <p14:creationId xmlns:p14="http://schemas.microsoft.com/office/powerpoint/2010/main" val="3650040932"/>
       </p:ext>
     </p:extLst>
   </p:cSld>
   <p:clrMapOvr>
     <a:masterClrMapping/>
   </p:clrMapOvr>
-  <mc:AlternateContent xmlns:mc="http://schemas.openxmlformats.org/markup-compatibility/2006">
-    <mc:Choice xmlns:p14="http://schemas.microsoft.com/office/powerpoint/2010/main" xmlns="" Requires="p14">
+  <mc:AlternateContent xmlns:mc="http://schemas.openxmlformats.org/markup-compatibility/2006" xmlns:p14="http://schemas.microsoft.com/office/powerpoint/2010/main">
+    <mc:Choice Requires="p14">
       <p:transition spd="slow">
         <p14:reveal/>
       </p:transition>
     </mc:Choice>
-    <mc:Fallback>
+    <mc:Fallback xmlns="">
       <p:transition spd="slow">
         <p:fade/>
       </p:transition>
@@ -9654,20 +9654,20 @@
     </p:spTree>
     <p:extLst>
       <p:ext uri="{BB962C8B-B14F-4D97-AF65-F5344CB8AC3E}">
-        <p14:creationId xmlns:p14="http://schemas.microsoft.com/office/powerpoint/2010/main" xmlns="" val="1155737349"/>
+        <p14:creationId xmlns:p14="http://schemas.microsoft.com/office/powerpoint/2010/main" val="1155737349"/>
       </p:ext>
     </p:extLst>
   </p:cSld>
   <p:clrMapOvr>
     <a:masterClrMapping/>
   </p:clrMapOvr>
-  <mc:AlternateContent xmlns:mc="http://schemas.openxmlformats.org/markup-compatibility/2006">
-    <mc:Choice xmlns:p14="http://schemas.microsoft.com/office/powerpoint/2010/main" xmlns="" Requires="p14">
+  <mc:AlternateContent xmlns:mc="http://schemas.openxmlformats.org/markup-compatibility/2006" xmlns:p14="http://schemas.microsoft.com/office/powerpoint/2010/main">
+    <mc:Choice Requires="p14">
       <p:transition spd="slow">
         <p14:reveal/>
       </p:transition>
     </mc:Choice>
-    <mc:Fallback>
+    <mc:Fallback xmlns="">
       <p:transition spd="slow">
         <p:fade/>
       </p:transition>
@@ -9872,20 +9872,20 @@
     </p:spTree>
     <p:extLst>
       <p:ext uri="{BB962C8B-B14F-4D97-AF65-F5344CB8AC3E}">
-        <p14:creationId xmlns:p14="http://schemas.microsoft.com/office/powerpoint/2010/main" xmlns="" val="3037814965"/>
+        <p14:creationId xmlns:p14="http://schemas.microsoft.com/office/powerpoint/2010/main" val="3037814965"/>
       </p:ext>
     </p:extLst>
   </p:cSld>
   <p:clrMapOvr>
     <a:masterClrMapping/>
   </p:clrMapOvr>
-  <mc:AlternateContent xmlns:mc="http://schemas.openxmlformats.org/markup-compatibility/2006">
-    <mc:Choice xmlns:p14="http://schemas.microsoft.com/office/powerpoint/2010/main" xmlns="" Requires="p14">
+  <mc:AlternateContent xmlns:mc="http://schemas.openxmlformats.org/markup-compatibility/2006" xmlns:p14="http://schemas.microsoft.com/office/powerpoint/2010/main">
+    <mc:Choice Requires="p14">
       <p:transition spd="slow">
         <p14:reveal/>
       </p:transition>
     </mc:Choice>
-    <mc:Fallback>
+    <mc:Fallback xmlns="">
       <p:transition spd="slow">
         <p:fade/>
       </p:transition>
@@ -10229,14 +10229,6 @@
               </a:rPr>
               <a:t>:</a:t>
             </a:r>
-            <a:endParaRPr lang="es-AR" sz="2600" dirty="0" smtClean="0">
-              <a:solidFill>
-                <a:schemeClr val="bg1">
-                  <a:lumMod val="75000"/>
-                  <a:lumOff val="25000"/>
-                </a:schemeClr>
-              </a:solidFill>
-            </a:endParaRPr>
           </a:p>
           <a:p>
             <a:pPr marL="914400" lvl="1" indent="-457200" algn="just">
@@ -10269,18 +10261,7 @@
                   </a:schemeClr>
                 </a:solidFill>
               </a:rPr>
-              <a:t>CU05 – Buscar mesa de examen</a:t>
-            </a:r>
-            <a:r>
-              <a:rPr lang="es-AR" sz="2600" dirty="0" smtClean="0">
-                <a:solidFill>
-                  <a:schemeClr val="bg1">
-                    <a:lumMod val="75000"/>
-                    <a:lumOff val="25000"/>
-                  </a:schemeClr>
-                </a:solidFill>
-              </a:rPr>
-              <a:t>.</a:t>
+              <a:t>CU05 – Buscar mesa de examen.</a:t>
             </a:r>
           </a:p>
           <a:p>
@@ -10299,20 +10280,20 @@
     </p:spTree>
     <p:extLst>
       <p:ext uri="{BB962C8B-B14F-4D97-AF65-F5344CB8AC3E}">
-        <p14:creationId xmlns:p14="http://schemas.microsoft.com/office/powerpoint/2010/main" xmlns="" val="4278425145"/>
+        <p14:creationId xmlns:p14="http://schemas.microsoft.com/office/powerpoint/2010/main" val="4278425145"/>
       </p:ext>
     </p:extLst>
   </p:cSld>
   <p:clrMapOvr>
     <a:masterClrMapping/>
   </p:clrMapOvr>
-  <mc:AlternateContent xmlns:mc="http://schemas.openxmlformats.org/markup-compatibility/2006">
-    <mc:Choice xmlns:p14="http://schemas.microsoft.com/office/powerpoint/2010/main" xmlns="" Requires="p14">
+  <mc:AlternateContent xmlns:mc="http://schemas.openxmlformats.org/markup-compatibility/2006" xmlns:p14="http://schemas.microsoft.com/office/powerpoint/2010/main">
+    <mc:Choice Requires="p14">
       <p:transition spd="slow">
         <p14:reveal/>
       </p:transition>
     </mc:Choice>
-    <mc:Fallback>
+    <mc:Fallback xmlns="">
       <p:transition spd="slow">
         <p:fade/>
       </p:transition>
@@ -10427,7 +10408,7 @@
           <a:blip r:embed="rId2" cstate="print">
             <a:extLst>
               <a:ext uri="{28A0092B-C50C-407E-A947-70E740481C1C}">
-                <a14:useLocalDpi xmlns:a14="http://schemas.microsoft.com/office/drawing/2010/main" xmlns="" val="0"/>
+                <a14:useLocalDpi xmlns:a14="http://schemas.microsoft.com/office/drawing/2010/main" val="0"/>
               </a:ext>
             </a:extLst>
           </a:blip>
@@ -10448,20 +10429,20 @@
     </p:spTree>
     <p:extLst>
       <p:ext uri="{BB962C8B-B14F-4D97-AF65-F5344CB8AC3E}">
-        <p14:creationId xmlns:p14="http://schemas.microsoft.com/office/powerpoint/2010/main" xmlns="" val="2777136503"/>
+        <p14:creationId xmlns:p14="http://schemas.microsoft.com/office/powerpoint/2010/main" val="2777136503"/>
       </p:ext>
     </p:extLst>
   </p:cSld>
   <p:clrMapOvr>
     <a:masterClrMapping/>
   </p:clrMapOvr>
-  <mc:AlternateContent xmlns:mc="http://schemas.openxmlformats.org/markup-compatibility/2006">
-    <mc:Choice xmlns:p14="http://schemas.microsoft.com/office/powerpoint/2010/main" xmlns="" Requires="p14">
+  <mc:AlternateContent xmlns:mc="http://schemas.openxmlformats.org/markup-compatibility/2006" xmlns:p14="http://schemas.microsoft.com/office/powerpoint/2010/main">
+    <mc:Choice Requires="p14">
       <p:transition spd="slow">
         <p14:reveal/>
       </p:transition>
     </mc:Choice>
-    <mc:Fallback>
+    <mc:Fallback xmlns="">
       <p:transition spd="slow">
         <p:fade/>
       </p:transition>
@@ -10723,13 +10704,13 @@
   <p:clrMapOvr>
     <a:masterClrMapping/>
   </p:clrMapOvr>
-  <mc:AlternateContent xmlns:mc="http://schemas.openxmlformats.org/markup-compatibility/2006">
-    <mc:Choice xmlns:p14="http://schemas.microsoft.com/office/powerpoint/2010/main" xmlns="" Requires="p14">
+  <mc:AlternateContent xmlns:mc="http://schemas.openxmlformats.org/markup-compatibility/2006" xmlns:p14="http://schemas.microsoft.com/office/powerpoint/2010/main">
+    <mc:Choice Requires="p14">
       <p:transition spd="slow">
         <p14:reveal/>
       </p:transition>
     </mc:Choice>
-    <mc:Fallback>
+    <mc:Fallback xmlns="">
       <p:transition spd="slow">
         <p:fade/>
       </p:transition>
@@ -10787,11 +10768,7 @@
             </a:pPr>
             <a:r>
               <a:rPr lang="es-ES" dirty="0" smtClean="0"/>
-              <a:t>Fase Construcción – Iteración N° </a:t>
-            </a:r>
-            <a:r>
-              <a:rPr lang="es-ES" dirty="0" smtClean="0"/>
-              <a:t>3</a:t>
+              <a:t>Fase Construcción – Iteración N° 3</a:t>
             </a:r>
           </a:p>
           <a:p>
@@ -10892,7 +10869,7 @@
         </p:nvSpPr>
         <p:spPr>
           <a:xfrm>
-            <a:off x="260635" y="3326513"/>
+            <a:off x="260635" y="3080291"/>
             <a:ext cx="6264857" cy="523220"/>
           </a:xfrm>
           <a:prstGeom prst="rect">
@@ -10980,7 +10957,7 @@
         </p:nvSpPr>
         <p:spPr>
           <a:xfrm>
-            <a:off x="726424" y="2484679"/>
+            <a:off x="260635" y="4582048"/>
             <a:ext cx="3828292" cy="492443"/>
           </a:xfrm>
           <a:prstGeom prst="rect">
@@ -11018,20 +10995,20 @@
     </p:spTree>
     <p:extLst>
       <p:ext uri="{BB962C8B-B14F-4D97-AF65-F5344CB8AC3E}">
-        <p14:creationId xmlns:p14="http://schemas.microsoft.com/office/powerpoint/2010/main" xmlns="" val="2976960991"/>
+        <p14:creationId xmlns:p14="http://schemas.microsoft.com/office/powerpoint/2010/main" val="2976960991"/>
       </p:ext>
     </p:extLst>
   </p:cSld>
   <p:clrMapOvr>
     <a:masterClrMapping/>
   </p:clrMapOvr>
-  <mc:AlternateContent xmlns:mc="http://schemas.openxmlformats.org/markup-compatibility/2006">
-    <mc:Choice xmlns:p14="http://schemas.microsoft.com/office/powerpoint/2010/main" xmlns="" Requires="p14">
+  <mc:AlternateContent xmlns:mc="http://schemas.openxmlformats.org/markup-compatibility/2006" xmlns:p14="http://schemas.microsoft.com/office/powerpoint/2010/main">
+    <mc:Choice Requires="p14">
       <p:transition spd="slow">
         <p14:reveal/>
       </p:transition>
     </mc:Choice>
-    <mc:Fallback>
+    <mc:Fallback xmlns="">
       <p:transition spd="slow">
         <p:fade/>
       </p:transition>
@@ -11173,7 +11150,7 @@
           <p:nvPr>
             <p:extLst>
               <p:ext uri="{D42A27DB-BD31-4B8C-83A1-F6EECF244321}">
-                <p14:modId xmlns:p14="http://schemas.microsoft.com/office/powerpoint/2010/main" xmlns="" val="973901682"/>
+                <p14:modId xmlns:p14="http://schemas.microsoft.com/office/powerpoint/2010/main" val="973901682"/>
               </p:ext>
             </p:extLst>
           </p:nvPr>
@@ -12438,20 +12415,20 @@
     </p:spTree>
     <p:extLst>
       <p:ext uri="{BB962C8B-B14F-4D97-AF65-F5344CB8AC3E}">
-        <p14:creationId xmlns:p14="http://schemas.microsoft.com/office/powerpoint/2010/main" xmlns="" val="4120856557"/>
+        <p14:creationId xmlns:p14="http://schemas.microsoft.com/office/powerpoint/2010/main" val="4120856557"/>
       </p:ext>
     </p:extLst>
   </p:cSld>
   <p:clrMapOvr>
     <a:masterClrMapping/>
   </p:clrMapOvr>
-  <mc:AlternateContent xmlns:mc="http://schemas.openxmlformats.org/markup-compatibility/2006">
-    <mc:Choice xmlns:p14="http://schemas.microsoft.com/office/powerpoint/2010/main" xmlns="" Requires="p14">
+  <mc:AlternateContent xmlns:mc="http://schemas.openxmlformats.org/markup-compatibility/2006" xmlns:p14="http://schemas.microsoft.com/office/powerpoint/2010/main">
+    <mc:Choice Requires="p14">
       <p:transition spd="slow">
         <p14:reveal/>
       </p:transition>
     </mc:Choice>
-    <mc:Fallback>
+    <mc:Fallback xmlns="">
       <p:transition spd="slow">
         <p:fade/>
       </p:transition>
@@ -12593,7 +12570,7 @@
           <p:nvPr>
             <p:extLst>
               <p:ext uri="{D42A27DB-BD31-4B8C-83A1-F6EECF244321}">
-                <p14:modId xmlns:p14="http://schemas.microsoft.com/office/powerpoint/2010/main" xmlns="" val="1402955423"/>
+                <p14:modId xmlns:p14="http://schemas.microsoft.com/office/powerpoint/2010/main" val="1402955423"/>
               </p:ext>
             </p:extLst>
           </p:nvPr>
@@ -13921,20 +13898,20 @@
     </p:spTree>
     <p:extLst>
       <p:ext uri="{BB962C8B-B14F-4D97-AF65-F5344CB8AC3E}">
-        <p14:creationId xmlns:p14="http://schemas.microsoft.com/office/powerpoint/2010/main" xmlns="" val="614728282"/>
+        <p14:creationId xmlns:p14="http://schemas.microsoft.com/office/powerpoint/2010/main" val="614728282"/>
       </p:ext>
     </p:extLst>
   </p:cSld>
   <p:clrMapOvr>
     <a:masterClrMapping/>
   </p:clrMapOvr>
-  <mc:AlternateContent xmlns:mc="http://schemas.openxmlformats.org/markup-compatibility/2006">
-    <mc:Choice xmlns:p14="http://schemas.microsoft.com/office/powerpoint/2010/main" xmlns="" Requires="p14">
+  <mc:AlternateContent xmlns:mc="http://schemas.openxmlformats.org/markup-compatibility/2006" xmlns:p14="http://schemas.microsoft.com/office/powerpoint/2010/main">
+    <mc:Choice Requires="p14">
       <p:transition spd="slow">
         <p14:reveal/>
       </p:transition>
     </mc:Choice>
-    <mc:Fallback>
+    <mc:Fallback xmlns="">
       <p:transition spd="slow">
         <p:fade/>
       </p:transition>
@@ -14076,7 +14053,7 @@
           <p:nvPr>
             <p:extLst>
               <p:ext uri="{D42A27DB-BD31-4B8C-83A1-F6EECF244321}">
-                <p14:modId xmlns:p14="http://schemas.microsoft.com/office/powerpoint/2010/main" xmlns="" val="680250682"/>
+                <p14:modId xmlns:p14="http://schemas.microsoft.com/office/powerpoint/2010/main" val="680250682"/>
               </p:ext>
             </p:extLst>
           </p:nvPr>
@@ -15098,20 +15075,20 @@
     </p:spTree>
     <p:extLst>
       <p:ext uri="{BB962C8B-B14F-4D97-AF65-F5344CB8AC3E}">
-        <p14:creationId xmlns:p14="http://schemas.microsoft.com/office/powerpoint/2010/main" xmlns="" val="1961158896"/>
+        <p14:creationId xmlns:p14="http://schemas.microsoft.com/office/powerpoint/2010/main" val="1961158896"/>
       </p:ext>
     </p:extLst>
   </p:cSld>
   <p:clrMapOvr>
     <a:masterClrMapping/>
   </p:clrMapOvr>
-  <mc:AlternateContent xmlns:mc="http://schemas.openxmlformats.org/markup-compatibility/2006">
-    <mc:Choice xmlns:p14="http://schemas.microsoft.com/office/powerpoint/2010/main" xmlns="" Requires="p14">
+  <mc:AlternateContent xmlns:mc="http://schemas.openxmlformats.org/markup-compatibility/2006" xmlns:p14="http://schemas.microsoft.com/office/powerpoint/2010/main">
+    <mc:Choice Requires="p14">
       <p:transition spd="slow">
         <p14:reveal/>
       </p:transition>
     </mc:Choice>
-    <mc:Fallback>
+    <mc:Fallback xmlns="">
       <p:transition spd="slow">
         <p:fade/>
       </p:transition>
@@ -16461,20 +16438,20 @@
     </p:spTree>
     <p:extLst>
       <p:ext uri="{BB962C8B-B14F-4D97-AF65-F5344CB8AC3E}">
-        <p14:creationId xmlns:p14="http://schemas.microsoft.com/office/powerpoint/2010/main" xmlns="" val="2289908265"/>
+        <p14:creationId xmlns:p14="http://schemas.microsoft.com/office/powerpoint/2010/main" val="2289908265"/>
       </p:ext>
     </p:extLst>
   </p:cSld>
   <p:clrMapOvr>
     <a:masterClrMapping/>
   </p:clrMapOvr>
-  <mc:AlternateContent xmlns:mc="http://schemas.openxmlformats.org/markup-compatibility/2006">
-    <mc:Choice xmlns:p14="http://schemas.microsoft.com/office/powerpoint/2010/main" xmlns="" Requires="p14">
+  <mc:AlternateContent xmlns:mc="http://schemas.openxmlformats.org/markup-compatibility/2006" xmlns:p14="http://schemas.microsoft.com/office/powerpoint/2010/main">
+    <mc:Choice Requires="p14">
       <p:transition spd="slow">
         <p14:reveal/>
       </p:transition>
     </mc:Choice>
-    <mc:Fallback>
+    <mc:Fallback xmlns="">
       <p:transition spd="slow">
         <p:fade/>
       </p:transition>
@@ -16752,20 +16729,20 @@
     </p:spTree>
     <p:extLst>
       <p:ext uri="{BB962C8B-B14F-4D97-AF65-F5344CB8AC3E}">
-        <p14:creationId xmlns:p14="http://schemas.microsoft.com/office/powerpoint/2010/main" xmlns="" val="3687667318"/>
+        <p14:creationId xmlns:p14="http://schemas.microsoft.com/office/powerpoint/2010/main" val="3687667318"/>
       </p:ext>
     </p:extLst>
   </p:cSld>
   <p:clrMapOvr>
     <a:masterClrMapping/>
   </p:clrMapOvr>
-  <mc:AlternateContent xmlns:mc="http://schemas.openxmlformats.org/markup-compatibility/2006">
-    <mc:Choice xmlns:p14="http://schemas.microsoft.com/office/powerpoint/2010/main" xmlns="" Requires="p14">
+  <mc:AlternateContent xmlns:mc="http://schemas.openxmlformats.org/markup-compatibility/2006" xmlns:p14="http://schemas.microsoft.com/office/powerpoint/2010/main">
+    <mc:Choice Requires="p14">
       <p:transition spd="slow">
         <p14:reveal/>
       </p:transition>
     </mc:Choice>
-    <mc:Fallback>
+    <mc:Fallback xmlns="">
       <p:transition spd="slow">
         <p:fade/>
       </p:transition>
@@ -16877,7 +16854,7 @@
           <p:nvPr>
             <p:extLst>
               <p:ext uri="{D42A27DB-BD31-4B8C-83A1-F6EECF244321}">
-                <p14:modId xmlns:p14="http://schemas.microsoft.com/office/powerpoint/2010/main" xmlns="" val="3862357346"/>
+                <p14:modId xmlns:p14="http://schemas.microsoft.com/office/powerpoint/2010/main" val="3862357346"/>
               </p:ext>
             </p:extLst>
           </p:nvPr>
@@ -17400,20 +17377,20 @@
     </p:spTree>
     <p:extLst>
       <p:ext uri="{BB962C8B-B14F-4D97-AF65-F5344CB8AC3E}">
-        <p14:creationId xmlns:p14="http://schemas.microsoft.com/office/powerpoint/2010/main" xmlns="" val="720002202"/>
+        <p14:creationId xmlns:p14="http://schemas.microsoft.com/office/powerpoint/2010/main" val="720002202"/>
       </p:ext>
     </p:extLst>
   </p:cSld>
   <p:clrMapOvr>
     <a:masterClrMapping/>
   </p:clrMapOvr>
-  <mc:AlternateContent xmlns:mc="http://schemas.openxmlformats.org/markup-compatibility/2006">
-    <mc:Choice xmlns:p14="http://schemas.microsoft.com/office/powerpoint/2010/main" xmlns="" Requires="p14">
+  <mc:AlternateContent xmlns:mc="http://schemas.openxmlformats.org/markup-compatibility/2006" xmlns:p14="http://schemas.microsoft.com/office/powerpoint/2010/main">
+    <mc:Choice Requires="p14">
       <p:transition spd="slow">
         <p14:reveal/>
       </p:transition>
     </mc:Choice>
-    <mc:Fallback>
+    <mc:Fallback xmlns="">
       <p:transition spd="slow">
         <p:fade/>
       </p:transition>
@@ -17684,7 +17661,7 @@
   <a:extraClrSchemeLst/>
   <a:extLst>
     <a:ext uri="{05A4C25C-085E-4340-85A3-A5531E510DB2}">
-      <thm15:themeFamily xmlns:thm15="http://schemas.microsoft.com/office/thememl/2012/main" xmlns="" name="Depth" id="{7BEAFC2A-325C-49C4-AC08-2B765DA903F9}" vid="{1735E755-43E6-43AA-ABA2-C989ECC79AF5}"/>
+      <thm15:themeFamily xmlns:thm15="http://schemas.microsoft.com/office/thememl/2012/main" name="Depth" id="{7BEAFC2A-325C-49C4-AC08-2B765DA903F9}" vid="{1735E755-43E6-43AA-ABA2-C989ECC79AF5}"/>
     </a:ext>
   </a:extLst>
 </a:theme>
